--- a/Resources/Icon/Icon.pptx
+++ b/Resources/Icon/Icon.pptx
@@ -6,10 +6,11 @@
   </p:sldMasterIdLst>
   <p:sldIdLst>
     <p:sldId id="256" r:id="rId2"/>
-    <p:sldId id="257" r:id="rId3"/>
-    <p:sldId id="258" r:id="rId4"/>
-    <p:sldId id="260" r:id="rId5"/>
-    <p:sldId id="261" r:id="rId6"/>
+    <p:sldId id="262" r:id="rId3"/>
+    <p:sldId id="257" r:id="rId4"/>
+    <p:sldId id="258" r:id="rId5"/>
+    <p:sldId id="260" r:id="rId6"/>
+    <p:sldId id="261" r:id="rId7"/>
   </p:sldIdLst>
   <p:sldSz cx="12192000" cy="6858000"/>
   <p:notesSz cx="6858000" cy="9144000"/>
@@ -247,7 +248,7 @@
           <a:p>
             <a:fld id="{D7F79187-E0C0-4F2A-A0F0-8B5DFD9CA2AA}" type="datetimeFigureOut">
               <a:rPr lang="ko-KR" altLang="en-US" smtClean="0"/>
-              <a:t>2019-05-02</a:t>
+              <a:t>2019-09-03</a:t>
             </a:fld>
             <a:endParaRPr lang="ko-KR" altLang="en-US"/>
           </a:p>
@@ -417,7 +418,7 @@
           <a:p>
             <a:fld id="{D7F79187-E0C0-4F2A-A0F0-8B5DFD9CA2AA}" type="datetimeFigureOut">
               <a:rPr lang="ko-KR" altLang="en-US" smtClean="0"/>
-              <a:t>2019-05-02</a:t>
+              <a:t>2019-09-03</a:t>
             </a:fld>
             <a:endParaRPr lang="ko-KR" altLang="en-US"/>
           </a:p>
@@ -597,7 +598,7 @@
           <a:p>
             <a:fld id="{D7F79187-E0C0-4F2A-A0F0-8B5DFD9CA2AA}" type="datetimeFigureOut">
               <a:rPr lang="ko-KR" altLang="en-US" smtClean="0"/>
-              <a:t>2019-05-02</a:t>
+              <a:t>2019-09-03</a:t>
             </a:fld>
             <a:endParaRPr lang="ko-KR" altLang="en-US"/>
           </a:p>
@@ -767,7 +768,7 @@
           <a:p>
             <a:fld id="{D7F79187-E0C0-4F2A-A0F0-8B5DFD9CA2AA}" type="datetimeFigureOut">
               <a:rPr lang="ko-KR" altLang="en-US" smtClean="0"/>
-              <a:t>2019-05-02</a:t>
+              <a:t>2019-09-03</a:t>
             </a:fld>
             <a:endParaRPr lang="ko-KR" altLang="en-US"/>
           </a:p>
@@ -1013,7 +1014,7 @@
           <a:p>
             <a:fld id="{D7F79187-E0C0-4F2A-A0F0-8B5DFD9CA2AA}" type="datetimeFigureOut">
               <a:rPr lang="ko-KR" altLang="en-US" smtClean="0"/>
-              <a:t>2019-05-02</a:t>
+              <a:t>2019-09-03</a:t>
             </a:fld>
             <a:endParaRPr lang="ko-KR" altLang="en-US"/>
           </a:p>
@@ -1245,7 +1246,7 @@
           <a:p>
             <a:fld id="{D7F79187-E0C0-4F2A-A0F0-8B5DFD9CA2AA}" type="datetimeFigureOut">
               <a:rPr lang="ko-KR" altLang="en-US" smtClean="0"/>
-              <a:t>2019-05-02</a:t>
+              <a:t>2019-09-03</a:t>
             </a:fld>
             <a:endParaRPr lang="ko-KR" altLang="en-US"/>
           </a:p>
@@ -1612,7 +1613,7 @@
           <a:p>
             <a:fld id="{D7F79187-E0C0-4F2A-A0F0-8B5DFD9CA2AA}" type="datetimeFigureOut">
               <a:rPr lang="ko-KR" altLang="en-US" smtClean="0"/>
-              <a:t>2019-05-02</a:t>
+              <a:t>2019-09-03</a:t>
             </a:fld>
             <a:endParaRPr lang="ko-KR" altLang="en-US"/>
           </a:p>
@@ -1730,7 +1731,7 @@
           <a:p>
             <a:fld id="{D7F79187-E0C0-4F2A-A0F0-8B5DFD9CA2AA}" type="datetimeFigureOut">
               <a:rPr lang="ko-KR" altLang="en-US" smtClean="0"/>
-              <a:t>2019-05-02</a:t>
+              <a:t>2019-09-03</a:t>
             </a:fld>
             <a:endParaRPr lang="ko-KR" altLang="en-US"/>
           </a:p>
@@ -1825,7 +1826,7 @@
           <a:p>
             <a:fld id="{D7F79187-E0C0-4F2A-A0F0-8B5DFD9CA2AA}" type="datetimeFigureOut">
               <a:rPr lang="ko-KR" altLang="en-US" smtClean="0"/>
-              <a:t>2019-05-02</a:t>
+              <a:t>2019-09-03</a:t>
             </a:fld>
             <a:endParaRPr lang="ko-KR" altLang="en-US"/>
           </a:p>
@@ -2102,7 +2103,7 @@
           <a:p>
             <a:fld id="{D7F79187-E0C0-4F2A-A0F0-8B5DFD9CA2AA}" type="datetimeFigureOut">
               <a:rPr lang="ko-KR" altLang="en-US" smtClean="0"/>
-              <a:t>2019-05-02</a:t>
+              <a:t>2019-09-03</a:t>
             </a:fld>
             <a:endParaRPr lang="ko-KR" altLang="en-US"/>
           </a:p>
@@ -2355,7 +2356,7 @@
           <a:p>
             <a:fld id="{D7F79187-E0C0-4F2A-A0F0-8B5DFD9CA2AA}" type="datetimeFigureOut">
               <a:rPr lang="ko-KR" altLang="en-US" smtClean="0"/>
-              <a:t>2019-05-02</a:t>
+              <a:t>2019-09-03</a:t>
             </a:fld>
             <a:endParaRPr lang="ko-KR" altLang="en-US"/>
           </a:p>
@@ -2568,7 +2569,7 @@
           <a:p>
             <a:fld id="{D7F79187-E0C0-4F2A-A0F0-8B5DFD9CA2AA}" type="datetimeFigureOut">
               <a:rPr lang="ko-KR" altLang="en-US" smtClean="0"/>
-              <a:t>2019-05-02</a:t>
+              <a:t>2019-09-03</a:t>
             </a:fld>
             <a:endParaRPr lang="ko-KR" altLang="en-US"/>
           </a:p>
@@ -3132,6 +3133,179 @@
       </p:grpSpPr>
       <p:grpSp>
         <p:nvGrpSpPr>
+          <p:cNvPr id="5" name="그룹 4"/>
+          <p:cNvGrpSpPr/>
+          <p:nvPr/>
+        </p:nvGrpSpPr>
+        <p:grpSpPr>
+          <a:xfrm>
+            <a:off x="839416" y="1919028"/>
+            <a:ext cx="10959388" cy="2309462"/>
+            <a:chOff x="839416" y="1919028"/>
+            <a:chExt cx="10959388" cy="2309462"/>
+          </a:xfrm>
+        </p:grpSpPr>
+        <p:sp>
+          <p:nvSpPr>
+            <p:cNvPr id="4" name="직사각형 3"/>
+            <p:cNvSpPr/>
+            <p:nvPr/>
+          </p:nvSpPr>
+          <p:spPr>
+            <a:xfrm>
+              <a:off x="911424" y="1988840"/>
+              <a:ext cx="10153128" cy="2160240"/>
+            </a:xfrm>
+            <a:prstGeom prst="rect">
+              <a:avLst/>
+            </a:prstGeom>
+            <a:solidFill>
+              <a:schemeClr val="bg1"/>
+            </a:solidFill>
+            <a:ln>
+              <a:noFill/>
+            </a:ln>
+          </p:spPr>
+          <p:style>
+            <a:lnRef idx="2">
+              <a:schemeClr val="accent1">
+                <a:shade val="50000"/>
+              </a:schemeClr>
+            </a:lnRef>
+            <a:fillRef idx="1">
+              <a:schemeClr val="accent1"/>
+            </a:fillRef>
+            <a:effectRef idx="0">
+              <a:schemeClr val="accent1"/>
+            </a:effectRef>
+            <a:fontRef idx="minor">
+              <a:schemeClr val="lt1"/>
+            </a:fontRef>
+          </p:style>
+          <p:txBody>
+            <a:bodyPr rtlCol="0" anchor="ctr"/>
+            <a:lstStyle/>
+            <a:p>
+              <a:pPr algn="ctr"/>
+              <a:endParaRPr lang="ko-KR" altLang="en-US"/>
+            </a:p>
+          </p:txBody>
+        </p:sp>
+        <p:sp>
+          <p:nvSpPr>
+            <p:cNvPr id="2" name="TextBox 1"/>
+            <p:cNvSpPr txBox="1"/>
+            <p:nvPr/>
+          </p:nvSpPr>
+          <p:spPr>
+            <a:xfrm>
+              <a:off x="3431704" y="1988840"/>
+              <a:ext cx="8367100" cy="2160240"/>
+            </a:xfrm>
+            <a:prstGeom prst="rect">
+              <a:avLst/>
+            </a:prstGeom>
+            <a:noFill/>
+          </p:spPr>
+          <p:txBody>
+            <a:bodyPr wrap="square" rtlCol="0" anchor="ctr">
+              <a:noAutofit/>
+            </a:bodyPr>
+            <a:lstStyle/>
+            <a:p>
+              <a:r>
+                <a:rPr lang="en-US" altLang="ko-KR" sz="15000" dirty="0" smtClean="0">
+                  <a:solidFill>
+                    <a:srgbClr val="2E75B6"/>
+                  </a:solidFill>
+                  <a:effectLst>
+                    <a:outerShdw blurRad="38100" dist="38100" dir="2700000" algn="tl">
+                      <a:srgbClr val="000000">
+                        <a:alpha val="43137"/>
+                      </a:srgbClr>
+                    </a:outerShdw>
+                  </a:effectLst>
+                </a:rPr>
+                <a:t>Shortcut</a:t>
+              </a:r>
+              <a:endParaRPr lang="ko-KR" altLang="en-US" sz="15000">
+                <a:solidFill>
+                  <a:srgbClr val="2E75B6"/>
+                </a:solidFill>
+                <a:effectLst>
+                  <a:outerShdw blurRad="38100" dist="38100" dir="2700000" algn="tl">
+                    <a:srgbClr val="000000">
+                      <a:alpha val="43137"/>
+                    </a:srgbClr>
+                  </a:outerShdw>
+                </a:effectLst>
+              </a:endParaRPr>
+            </a:p>
+          </p:txBody>
+        </p:sp>
+        <p:pic>
+          <p:nvPicPr>
+            <p:cNvPr id="3" name="그림 2"/>
+            <p:cNvPicPr>
+              <a:picLocks noChangeAspect="1"/>
+            </p:cNvPicPr>
+            <p:nvPr/>
+          </p:nvPicPr>
+          <p:blipFill>
+            <a:blip r:embed="rId2" cstate="print">
+              <a:extLst>
+                <a:ext uri="{28A0092B-C50C-407E-A947-70E740481C1C}">
+                  <a14:useLocalDpi xmlns:a14="http://schemas.microsoft.com/office/drawing/2010/main" val="0"/>
+                </a:ext>
+              </a:extLst>
+            </a:blip>
+            <a:stretch>
+              <a:fillRect/>
+            </a:stretch>
+          </p:blipFill>
+          <p:spPr>
+            <a:xfrm>
+              <a:off x="839416" y="1919028"/>
+              <a:ext cx="2307340" cy="2309462"/>
+            </a:xfrm>
+            <a:prstGeom prst="rect">
+              <a:avLst/>
+            </a:prstGeom>
+          </p:spPr>
+        </p:pic>
+      </p:grpSp>
+    </p:spTree>
+    <p:extLst>
+      <p:ext uri="{BB962C8B-B14F-4D97-AF65-F5344CB8AC3E}">
+        <p14:creationId xmlns:p14="http://schemas.microsoft.com/office/powerpoint/2010/main" val="1508389967"/>
+      </p:ext>
+    </p:extLst>
+  </p:cSld>
+  <p:clrMapOvr>
+    <a:masterClrMapping/>
+  </p:clrMapOvr>
+</p:sld>
+</file>
+
+<file path=ppt/slides/slide3.xml><?xml version="1.0" encoding="utf-8"?>
+<p:sld xmlns:a="http://schemas.openxmlformats.org/drawingml/2006/main" xmlns:r="http://schemas.openxmlformats.org/officeDocument/2006/relationships" xmlns:p="http://schemas.openxmlformats.org/presentationml/2006/main">
+  <p:cSld>
+    <p:spTree>
+      <p:nvGrpSpPr>
+        <p:cNvPr id="1" name=""/>
+        <p:cNvGrpSpPr/>
+        <p:nvPr/>
+      </p:nvGrpSpPr>
+      <p:grpSpPr>
+        <a:xfrm>
+          <a:off x="0" y="0"/>
+          <a:ext cx="0" cy="0"/>
+          <a:chOff x="0" y="0"/>
+          <a:chExt cx="0" cy="0"/>
+        </a:xfrm>
+      </p:grpSpPr>
+      <p:grpSp>
+        <p:nvGrpSpPr>
           <p:cNvPr id="11" name="그룹 10"/>
           <p:cNvGrpSpPr/>
           <p:nvPr/>
@@ -3296,7 +3470,7 @@
 </p:sld>
 </file>
 
-<file path=ppt/slides/slide3.xml><?xml version="1.0" encoding="utf-8"?>
+<file path=ppt/slides/slide4.xml><?xml version="1.0" encoding="utf-8"?>
 <p:sld xmlns:a="http://schemas.openxmlformats.org/drawingml/2006/main" xmlns:r="http://schemas.openxmlformats.org/officeDocument/2006/relationships" xmlns:p="http://schemas.openxmlformats.org/presentationml/2006/main">
   <p:cSld>
     <p:spTree>
@@ -4008,7 +4182,7 @@
 </p:sld>
 </file>
 
-<file path=ppt/slides/slide4.xml><?xml version="1.0" encoding="utf-8"?>
+<file path=ppt/slides/slide5.xml><?xml version="1.0" encoding="utf-8"?>
 <p:sld xmlns:a="http://schemas.openxmlformats.org/drawingml/2006/main" xmlns:r="http://schemas.openxmlformats.org/officeDocument/2006/relationships" xmlns:p="http://schemas.openxmlformats.org/presentationml/2006/main">
   <p:cSld>
     <p:spTree>
@@ -4191,7 +4365,7 @@
 </p:sld>
 </file>
 
-<file path=ppt/slides/slide5.xml><?xml version="1.0" encoding="utf-8"?>
+<file path=ppt/slides/slide6.xml><?xml version="1.0" encoding="utf-8"?>
 <p:sld xmlns:a="http://schemas.openxmlformats.org/drawingml/2006/main" xmlns:r="http://schemas.openxmlformats.org/officeDocument/2006/relationships" xmlns:p="http://schemas.openxmlformats.org/presentationml/2006/main">
   <p:cSld>
     <p:spTree>

--- a/Resources/Icon/Icon.pptx
+++ b/Resources/Icon/Icon.pptx
@@ -11,6 +11,8 @@
     <p:sldId id="258" r:id="rId5"/>
     <p:sldId id="260" r:id="rId6"/>
     <p:sldId id="261" r:id="rId7"/>
+    <p:sldId id="263" r:id="rId8"/>
+    <p:sldId id="264" r:id="rId9"/>
   </p:sldIdLst>
   <p:sldSz cx="12192000" cy="6858000"/>
   <p:notesSz cx="6858000" cy="9144000"/>
@@ -248,7 +250,7 @@
           <a:p>
             <a:fld id="{D7F79187-E0C0-4F2A-A0F0-8B5DFD9CA2AA}" type="datetimeFigureOut">
               <a:rPr lang="ko-KR" altLang="en-US" smtClean="0"/>
-              <a:t>2019-09-03</a:t>
+              <a:t>2020-03-05</a:t>
             </a:fld>
             <a:endParaRPr lang="ko-KR" altLang="en-US"/>
           </a:p>
@@ -418,7 +420,7 @@
           <a:p>
             <a:fld id="{D7F79187-E0C0-4F2A-A0F0-8B5DFD9CA2AA}" type="datetimeFigureOut">
               <a:rPr lang="ko-KR" altLang="en-US" smtClean="0"/>
-              <a:t>2019-09-03</a:t>
+              <a:t>2020-03-05</a:t>
             </a:fld>
             <a:endParaRPr lang="ko-KR" altLang="en-US"/>
           </a:p>
@@ -598,7 +600,7 @@
           <a:p>
             <a:fld id="{D7F79187-E0C0-4F2A-A0F0-8B5DFD9CA2AA}" type="datetimeFigureOut">
               <a:rPr lang="ko-KR" altLang="en-US" smtClean="0"/>
-              <a:t>2019-09-03</a:t>
+              <a:t>2020-03-05</a:t>
             </a:fld>
             <a:endParaRPr lang="ko-KR" altLang="en-US"/>
           </a:p>
@@ -768,7 +770,7 @@
           <a:p>
             <a:fld id="{D7F79187-E0C0-4F2A-A0F0-8B5DFD9CA2AA}" type="datetimeFigureOut">
               <a:rPr lang="ko-KR" altLang="en-US" smtClean="0"/>
-              <a:t>2019-09-03</a:t>
+              <a:t>2020-03-05</a:t>
             </a:fld>
             <a:endParaRPr lang="ko-KR" altLang="en-US"/>
           </a:p>
@@ -1014,7 +1016,7 @@
           <a:p>
             <a:fld id="{D7F79187-E0C0-4F2A-A0F0-8B5DFD9CA2AA}" type="datetimeFigureOut">
               <a:rPr lang="ko-KR" altLang="en-US" smtClean="0"/>
-              <a:t>2019-09-03</a:t>
+              <a:t>2020-03-05</a:t>
             </a:fld>
             <a:endParaRPr lang="ko-KR" altLang="en-US"/>
           </a:p>
@@ -1246,7 +1248,7 @@
           <a:p>
             <a:fld id="{D7F79187-E0C0-4F2A-A0F0-8B5DFD9CA2AA}" type="datetimeFigureOut">
               <a:rPr lang="ko-KR" altLang="en-US" smtClean="0"/>
-              <a:t>2019-09-03</a:t>
+              <a:t>2020-03-05</a:t>
             </a:fld>
             <a:endParaRPr lang="ko-KR" altLang="en-US"/>
           </a:p>
@@ -1613,7 +1615,7 @@
           <a:p>
             <a:fld id="{D7F79187-E0C0-4F2A-A0F0-8B5DFD9CA2AA}" type="datetimeFigureOut">
               <a:rPr lang="ko-KR" altLang="en-US" smtClean="0"/>
-              <a:t>2019-09-03</a:t>
+              <a:t>2020-03-05</a:t>
             </a:fld>
             <a:endParaRPr lang="ko-KR" altLang="en-US"/>
           </a:p>
@@ -1731,7 +1733,7 @@
           <a:p>
             <a:fld id="{D7F79187-E0C0-4F2A-A0F0-8B5DFD9CA2AA}" type="datetimeFigureOut">
               <a:rPr lang="ko-KR" altLang="en-US" smtClean="0"/>
-              <a:t>2019-09-03</a:t>
+              <a:t>2020-03-05</a:t>
             </a:fld>
             <a:endParaRPr lang="ko-KR" altLang="en-US"/>
           </a:p>
@@ -1826,7 +1828,7 @@
           <a:p>
             <a:fld id="{D7F79187-E0C0-4F2A-A0F0-8B5DFD9CA2AA}" type="datetimeFigureOut">
               <a:rPr lang="ko-KR" altLang="en-US" smtClean="0"/>
-              <a:t>2019-09-03</a:t>
+              <a:t>2020-03-05</a:t>
             </a:fld>
             <a:endParaRPr lang="ko-KR" altLang="en-US"/>
           </a:p>
@@ -2103,7 +2105,7 @@
           <a:p>
             <a:fld id="{D7F79187-E0C0-4F2A-A0F0-8B5DFD9CA2AA}" type="datetimeFigureOut">
               <a:rPr lang="ko-KR" altLang="en-US" smtClean="0"/>
-              <a:t>2019-09-03</a:t>
+              <a:t>2020-03-05</a:t>
             </a:fld>
             <a:endParaRPr lang="ko-KR" altLang="en-US"/>
           </a:p>
@@ -2356,7 +2358,7 @@
           <a:p>
             <a:fld id="{D7F79187-E0C0-4F2A-A0F0-8B5DFD9CA2AA}" type="datetimeFigureOut">
               <a:rPr lang="ko-KR" altLang="en-US" smtClean="0"/>
-              <a:t>2019-09-03</a:t>
+              <a:t>2020-03-05</a:t>
             </a:fld>
             <a:endParaRPr lang="ko-KR" altLang="en-US"/>
           </a:p>
@@ -2569,7 +2571,7 @@
           <a:p>
             <a:fld id="{D7F79187-E0C0-4F2A-A0F0-8B5DFD9CA2AA}" type="datetimeFigureOut">
               <a:rPr lang="ko-KR" altLang="en-US" smtClean="0"/>
-              <a:t>2019-09-03</a:t>
+              <a:t>2020-03-05</a:t>
             </a:fld>
             <a:endParaRPr lang="ko-KR" altLang="en-US"/>
           </a:p>
@@ -4730,6 +4732,515 @@
 </p:sld>
 </file>
 
+<file path=ppt/slides/slide7.xml><?xml version="1.0" encoding="utf-8"?>
+<p:sld xmlns:a="http://schemas.openxmlformats.org/drawingml/2006/main" xmlns:r="http://schemas.openxmlformats.org/officeDocument/2006/relationships" xmlns:p="http://schemas.openxmlformats.org/presentationml/2006/main">
+  <p:cSld>
+    <p:spTree>
+      <p:nvGrpSpPr>
+        <p:cNvPr id="1" name=""/>
+        <p:cNvGrpSpPr/>
+        <p:nvPr/>
+      </p:nvGrpSpPr>
+      <p:grpSpPr>
+        <a:xfrm>
+          <a:off x="0" y="0"/>
+          <a:ext cx="0" cy="0"/>
+          <a:chOff x="0" y="0"/>
+          <a:chExt cx="0" cy="0"/>
+        </a:xfrm>
+      </p:grpSpPr>
+      <p:sp>
+        <p:nvSpPr>
+          <p:cNvPr id="5" name="직사각형 4"/>
+          <p:cNvSpPr/>
+          <p:nvPr/>
+        </p:nvSpPr>
+        <p:spPr>
+          <a:xfrm>
+            <a:off x="2877083" y="222971"/>
+            <a:ext cx="6441743" cy="6426643"/>
+          </a:xfrm>
+          <a:prstGeom prst="rect">
+            <a:avLst/>
+          </a:prstGeom>
+          <a:noFill/>
+          <a:ln w="190500">
+            <a:solidFill>
+              <a:schemeClr val="bg1"/>
+            </a:solidFill>
+          </a:ln>
+        </p:spPr>
+        <p:style>
+          <a:lnRef idx="2">
+            <a:schemeClr val="accent1">
+              <a:shade val="50000"/>
+            </a:schemeClr>
+          </a:lnRef>
+          <a:fillRef idx="1">
+            <a:schemeClr val="accent1"/>
+          </a:fillRef>
+          <a:effectRef idx="0">
+            <a:schemeClr val="accent1"/>
+          </a:effectRef>
+          <a:fontRef idx="minor">
+            <a:schemeClr val="lt1"/>
+          </a:fontRef>
+        </p:style>
+        <p:txBody>
+          <a:bodyPr rtlCol="0" anchor="ctr"/>
+          <a:lstStyle/>
+          <a:p>
+            <a:pPr algn="ctr"/>
+            <a:endParaRPr lang="ko-KR" altLang="en-US"/>
+          </a:p>
+        </p:txBody>
+      </p:sp>
+      <p:grpSp>
+        <p:nvGrpSpPr>
+          <p:cNvPr id="6" name="그룹 5"/>
+          <p:cNvGrpSpPr/>
+          <p:nvPr/>
+        </p:nvGrpSpPr>
+        <p:grpSpPr>
+          <a:xfrm>
+            <a:off x="3420117" y="830182"/>
+            <a:ext cx="5556203" cy="5551146"/>
+            <a:chOff x="3420117" y="830182"/>
+            <a:chExt cx="5556203" cy="5551146"/>
+          </a:xfrm>
+        </p:grpSpPr>
+        <p:grpSp>
+          <p:nvGrpSpPr>
+            <p:cNvPr id="18" name="그룹 17"/>
+            <p:cNvGrpSpPr/>
+            <p:nvPr/>
+          </p:nvGrpSpPr>
+          <p:grpSpPr>
+            <a:xfrm>
+              <a:off x="3628465" y="1033473"/>
+              <a:ext cx="5347855" cy="5347855"/>
+              <a:chOff x="3420117" y="830182"/>
+              <a:chExt cx="5347855" cy="5347855"/>
+            </a:xfrm>
+            <a:solidFill>
+              <a:schemeClr val="bg1">
+                <a:lumMod val="50000"/>
+              </a:schemeClr>
+            </a:solidFill>
+            <a:effectLst/>
+          </p:grpSpPr>
+          <p:sp>
+            <p:nvSpPr>
+              <p:cNvPr id="19" name="직사각형 18"/>
+              <p:cNvSpPr/>
+              <p:nvPr/>
+            </p:nvSpPr>
+            <p:spPr>
+              <a:xfrm rot="16200000" flipV="1">
+                <a:off x="3424027" y="2785986"/>
+                <a:ext cx="5347855" cy="1436248"/>
+              </a:xfrm>
+              <a:prstGeom prst="rect">
+                <a:avLst/>
+              </a:prstGeom>
+              <a:grpFill/>
+              <a:ln>
+                <a:noFill/>
+              </a:ln>
+            </p:spPr>
+            <p:style>
+              <a:lnRef idx="2">
+                <a:schemeClr val="accent1">
+                  <a:shade val="50000"/>
+                </a:schemeClr>
+              </a:lnRef>
+              <a:fillRef idx="1">
+                <a:schemeClr val="accent1"/>
+              </a:fillRef>
+              <a:effectRef idx="0">
+                <a:schemeClr val="accent1"/>
+              </a:effectRef>
+              <a:fontRef idx="minor">
+                <a:schemeClr val="lt1"/>
+              </a:fontRef>
+            </p:style>
+            <p:txBody>
+              <a:bodyPr rtlCol="0" anchor="ctr"/>
+              <a:lstStyle/>
+              <a:p>
+                <a:pPr algn="ctr"/>
+                <a:endParaRPr lang="ko-KR" altLang="en-US"/>
+              </a:p>
+            </p:txBody>
+          </p:sp>
+          <p:sp>
+            <p:nvSpPr>
+              <p:cNvPr id="20" name="직사각형 19"/>
+              <p:cNvSpPr/>
+              <p:nvPr/>
+            </p:nvSpPr>
+            <p:spPr>
+              <a:xfrm rot="10800000" flipV="1">
+                <a:off x="3420117" y="2792516"/>
+                <a:ext cx="5347855" cy="1436248"/>
+              </a:xfrm>
+              <a:prstGeom prst="rect">
+                <a:avLst/>
+              </a:prstGeom>
+              <a:grpFill/>
+              <a:ln>
+                <a:noFill/>
+              </a:ln>
+            </p:spPr>
+            <p:style>
+              <a:lnRef idx="2">
+                <a:schemeClr val="accent1">
+                  <a:shade val="50000"/>
+                </a:schemeClr>
+              </a:lnRef>
+              <a:fillRef idx="1">
+                <a:schemeClr val="accent1"/>
+              </a:fillRef>
+              <a:effectRef idx="0">
+                <a:schemeClr val="accent1"/>
+              </a:effectRef>
+              <a:fontRef idx="minor">
+                <a:schemeClr val="lt1"/>
+              </a:fontRef>
+            </p:style>
+            <p:txBody>
+              <a:bodyPr rtlCol="0" anchor="ctr"/>
+              <a:lstStyle/>
+              <a:p>
+                <a:pPr algn="ctr"/>
+                <a:endParaRPr lang="ko-KR" altLang="en-US"/>
+              </a:p>
+            </p:txBody>
+          </p:sp>
+        </p:grpSp>
+        <p:grpSp>
+          <p:nvGrpSpPr>
+            <p:cNvPr id="3" name="그룹 2"/>
+            <p:cNvGrpSpPr/>
+            <p:nvPr/>
+          </p:nvGrpSpPr>
+          <p:grpSpPr>
+            <a:xfrm>
+              <a:off x="3420117" y="830182"/>
+              <a:ext cx="5347855" cy="5347855"/>
+              <a:chOff x="3420117" y="830182"/>
+              <a:chExt cx="5347855" cy="5347855"/>
+            </a:xfrm>
+            <a:effectLst/>
+          </p:grpSpPr>
+          <p:sp>
+            <p:nvSpPr>
+              <p:cNvPr id="10" name="직사각형 9"/>
+              <p:cNvSpPr/>
+              <p:nvPr/>
+            </p:nvSpPr>
+            <p:spPr>
+              <a:xfrm rot="16200000" flipV="1">
+                <a:off x="3424027" y="2785986"/>
+                <a:ext cx="5347855" cy="1436248"/>
+              </a:xfrm>
+              <a:prstGeom prst="rect">
+                <a:avLst/>
+              </a:prstGeom>
+              <a:solidFill>
+                <a:srgbClr val="2E75B6"/>
+              </a:solidFill>
+              <a:ln>
+                <a:noFill/>
+              </a:ln>
+            </p:spPr>
+            <p:style>
+              <a:lnRef idx="2">
+                <a:schemeClr val="accent1">
+                  <a:shade val="50000"/>
+                </a:schemeClr>
+              </a:lnRef>
+              <a:fillRef idx="1">
+                <a:schemeClr val="accent1"/>
+              </a:fillRef>
+              <a:effectRef idx="0">
+                <a:schemeClr val="accent1"/>
+              </a:effectRef>
+              <a:fontRef idx="minor">
+                <a:schemeClr val="lt1"/>
+              </a:fontRef>
+            </p:style>
+            <p:txBody>
+              <a:bodyPr rtlCol="0" anchor="ctr"/>
+              <a:lstStyle/>
+              <a:p>
+                <a:pPr algn="ctr"/>
+                <a:endParaRPr lang="ko-KR" altLang="en-US"/>
+              </a:p>
+            </p:txBody>
+          </p:sp>
+          <p:sp>
+            <p:nvSpPr>
+              <p:cNvPr id="9" name="직사각형 8"/>
+              <p:cNvSpPr/>
+              <p:nvPr/>
+            </p:nvSpPr>
+            <p:spPr>
+              <a:xfrm rot="10800000" flipV="1">
+                <a:off x="3420117" y="2792516"/>
+                <a:ext cx="5347855" cy="1436248"/>
+              </a:xfrm>
+              <a:prstGeom prst="rect">
+                <a:avLst/>
+              </a:prstGeom>
+              <a:solidFill>
+                <a:srgbClr val="2E75B6"/>
+              </a:solidFill>
+              <a:ln>
+                <a:noFill/>
+              </a:ln>
+            </p:spPr>
+            <p:style>
+              <a:lnRef idx="2">
+                <a:schemeClr val="accent1">
+                  <a:shade val="50000"/>
+                </a:schemeClr>
+              </a:lnRef>
+              <a:fillRef idx="1">
+                <a:schemeClr val="accent1"/>
+              </a:fillRef>
+              <a:effectRef idx="0">
+                <a:schemeClr val="accent1"/>
+              </a:effectRef>
+              <a:fontRef idx="minor">
+                <a:schemeClr val="lt1"/>
+              </a:fontRef>
+            </p:style>
+            <p:txBody>
+              <a:bodyPr rtlCol="0" anchor="ctr"/>
+              <a:lstStyle/>
+              <a:p>
+                <a:pPr algn="ctr"/>
+                <a:endParaRPr lang="ko-KR" altLang="en-US"/>
+              </a:p>
+            </p:txBody>
+          </p:sp>
+        </p:grpSp>
+      </p:grpSp>
+    </p:spTree>
+    <p:extLst>
+      <p:ext uri="{BB962C8B-B14F-4D97-AF65-F5344CB8AC3E}">
+        <p14:creationId xmlns:p14="http://schemas.microsoft.com/office/powerpoint/2010/main" val="253384370"/>
+      </p:ext>
+    </p:extLst>
+  </p:cSld>
+  <p:clrMapOvr>
+    <a:masterClrMapping/>
+  </p:clrMapOvr>
+  <p:timing>
+    <p:tnLst>
+      <p:par>
+        <p:cTn id="1" dur="indefinite" restart="never" nodeType="tmRoot"/>
+      </p:par>
+    </p:tnLst>
+  </p:timing>
+</p:sld>
+</file>
+
+<file path=ppt/slides/slide8.xml><?xml version="1.0" encoding="utf-8"?>
+<p:sld xmlns:a="http://schemas.openxmlformats.org/drawingml/2006/main" xmlns:r="http://schemas.openxmlformats.org/officeDocument/2006/relationships" xmlns:p="http://schemas.openxmlformats.org/presentationml/2006/main">
+  <p:cSld>
+    <p:spTree>
+      <p:nvGrpSpPr>
+        <p:cNvPr id="1" name=""/>
+        <p:cNvGrpSpPr/>
+        <p:nvPr/>
+      </p:nvGrpSpPr>
+      <p:grpSpPr>
+        <a:xfrm>
+          <a:off x="0" y="0"/>
+          <a:ext cx="0" cy="0"/>
+          <a:chOff x="0" y="0"/>
+          <a:chExt cx="0" cy="0"/>
+        </a:xfrm>
+      </p:grpSpPr>
+      <p:sp>
+        <p:nvSpPr>
+          <p:cNvPr id="5" name="직사각형 4"/>
+          <p:cNvSpPr/>
+          <p:nvPr/>
+        </p:nvSpPr>
+        <p:spPr>
+          <a:xfrm>
+            <a:off x="2877083" y="222971"/>
+            <a:ext cx="6441743" cy="6426643"/>
+          </a:xfrm>
+          <a:prstGeom prst="rect">
+            <a:avLst/>
+          </a:prstGeom>
+          <a:noFill/>
+          <a:ln w="190500">
+            <a:solidFill>
+              <a:schemeClr val="bg1"/>
+            </a:solidFill>
+          </a:ln>
+        </p:spPr>
+        <p:style>
+          <a:lnRef idx="2">
+            <a:schemeClr val="accent1">
+              <a:shade val="50000"/>
+            </a:schemeClr>
+          </a:lnRef>
+          <a:fillRef idx="1">
+            <a:schemeClr val="accent1"/>
+          </a:fillRef>
+          <a:effectRef idx="0">
+            <a:schemeClr val="accent1"/>
+          </a:effectRef>
+          <a:fontRef idx="minor">
+            <a:schemeClr val="lt1"/>
+          </a:fontRef>
+        </p:style>
+        <p:txBody>
+          <a:bodyPr rtlCol="0" anchor="ctr"/>
+          <a:lstStyle/>
+          <a:p>
+            <a:pPr algn="ctr"/>
+            <a:endParaRPr lang="ko-KR" altLang="en-US"/>
+          </a:p>
+        </p:txBody>
+      </p:sp>
+      <p:grpSp>
+        <p:nvGrpSpPr>
+          <p:cNvPr id="2" name="그룹 1"/>
+          <p:cNvGrpSpPr/>
+          <p:nvPr/>
+        </p:nvGrpSpPr>
+        <p:grpSpPr>
+          <a:xfrm>
+            <a:off x="3420117" y="2792516"/>
+            <a:ext cx="5556203" cy="1644596"/>
+            <a:chOff x="3420117" y="2792516"/>
+            <a:chExt cx="5556203" cy="1644596"/>
+          </a:xfrm>
+        </p:grpSpPr>
+        <p:sp>
+          <p:nvSpPr>
+            <p:cNvPr id="6" name="직사각형 5"/>
+            <p:cNvSpPr/>
+            <p:nvPr/>
+          </p:nvSpPr>
+          <p:spPr>
+            <a:xfrm rot="10800000" flipV="1">
+              <a:off x="3628465" y="3000864"/>
+              <a:ext cx="5347855" cy="1436248"/>
+            </a:xfrm>
+            <a:prstGeom prst="rect">
+              <a:avLst/>
+            </a:prstGeom>
+            <a:solidFill>
+              <a:schemeClr val="bg1">
+                <a:lumMod val="50000"/>
+              </a:schemeClr>
+            </a:solidFill>
+            <a:ln>
+              <a:noFill/>
+            </a:ln>
+            <a:effectLst/>
+          </p:spPr>
+          <p:style>
+            <a:lnRef idx="2">
+              <a:schemeClr val="accent1">
+                <a:shade val="50000"/>
+              </a:schemeClr>
+            </a:lnRef>
+            <a:fillRef idx="1">
+              <a:schemeClr val="accent1"/>
+            </a:fillRef>
+            <a:effectRef idx="0">
+              <a:schemeClr val="accent1"/>
+            </a:effectRef>
+            <a:fontRef idx="minor">
+              <a:schemeClr val="lt1"/>
+            </a:fontRef>
+          </p:style>
+          <p:txBody>
+            <a:bodyPr rtlCol="0" anchor="ctr"/>
+            <a:lstStyle/>
+            <a:p>
+              <a:pPr algn="ctr"/>
+              <a:endParaRPr lang="ko-KR" altLang="en-US"/>
+            </a:p>
+          </p:txBody>
+        </p:sp>
+        <p:sp>
+          <p:nvSpPr>
+            <p:cNvPr id="9" name="직사각형 8"/>
+            <p:cNvSpPr/>
+            <p:nvPr/>
+          </p:nvSpPr>
+          <p:spPr>
+            <a:xfrm rot="10800000" flipV="1">
+              <a:off x="3420117" y="2792516"/>
+              <a:ext cx="5347855" cy="1436248"/>
+            </a:xfrm>
+            <a:prstGeom prst="rect">
+              <a:avLst/>
+            </a:prstGeom>
+            <a:solidFill>
+              <a:srgbClr val="C00000"/>
+            </a:solidFill>
+            <a:ln>
+              <a:noFill/>
+            </a:ln>
+            <a:effectLst/>
+          </p:spPr>
+          <p:style>
+            <a:lnRef idx="2">
+              <a:schemeClr val="accent1">
+                <a:shade val="50000"/>
+              </a:schemeClr>
+            </a:lnRef>
+            <a:fillRef idx="1">
+              <a:schemeClr val="accent1"/>
+            </a:fillRef>
+            <a:effectRef idx="0">
+              <a:schemeClr val="accent1"/>
+            </a:effectRef>
+            <a:fontRef idx="minor">
+              <a:schemeClr val="lt1"/>
+            </a:fontRef>
+          </p:style>
+          <p:txBody>
+            <a:bodyPr rtlCol="0" anchor="ctr"/>
+            <a:lstStyle/>
+            <a:p>
+              <a:pPr algn="ctr"/>
+              <a:endParaRPr lang="ko-KR" altLang="en-US"/>
+            </a:p>
+          </p:txBody>
+        </p:sp>
+      </p:grpSp>
+    </p:spTree>
+    <p:extLst>
+      <p:ext uri="{BB962C8B-B14F-4D97-AF65-F5344CB8AC3E}">
+        <p14:creationId xmlns:p14="http://schemas.microsoft.com/office/powerpoint/2010/main" val="2046622352"/>
+      </p:ext>
+    </p:extLst>
+  </p:cSld>
+  <p:clrMapOvr>
+    <a:masterClrMapping/>
+  </p:clrMapOvr>
+  <p:timing>
+    <p:tnLst>
+      <p:par>
+        <p:cTn id="1" dur="indefinite" restart="never" nodeType="tmRoot"/>
+      </p:par>
+    </p:tnLst>
+  </p:timing>
+</p:sld>
+</file>
+
 <file path=ppt/theme/theme1.xml><?xml version="1.0" encoding="utf-8"?>
 <a:theme xmlns:a="http://schemas.openxmlformats.org/drawingml/2006/main" name="Office 테마">
   <a:themeElements>

--- a/Resources/Icon/Icon.pptx
+++ b/Resources/Icon/Icon.pptx
@@ -250,7 +250,7 @@
           <a:p>
             <a:fld id="{D7F79187-E0C0-4F2A-A0F0-8B5DFD9CA2AA}" type="datetimeFigureOut">
               <a:rPr lang="ko-KR" altLang="en-US" smtClean="0"/>
-              <a:t>2020-03-05</a:t>
+              <a:t>2020-05-22</a:t>
             </a:fld>
             <a:endParaRPr lang="ko-KR" altLang="en-US"/>
           </a:p>
@@ -420,7 +420,7 @@
           <a:p>
             <a:fld id="{D7F79187-E0C0-4F2A-A0F0-8B5DFD9CA2AA}" type="datetimeFigureOut">
               <a:rPr lang="ko-KR" altLang="en-US" smtClean="0"/>
-              <a:t>2020-03-05</a:t>
+              <a:t>2020-05-22</a:t>
             </a:fld>
             <a:endParaRPr lang="ko-KR" altLang="en-US"/>
           </a:p>
@@ -600,7 +600,7 @@
           <a:p>
             <a:fld id="{D7F79187-E0C0-4F2A-A0F0-8B5DFD9CA2AA}" type="datetimeFigureOut">
               <a:rPr lang="ko-KR" altLang="en-US" smtClean="0"/>
-              <a:t>2020-03-05</a:t>
+              <a:t>2020-05-22</a:t>
             </a:fld>
             <a:endParaRPr lang="ko-KR" altLang="en-US"/>
           </a:p>
@@ -770,7 +770,7 @@
           <a:p>
             <a:fld id="{D7F79187-E0C0-4F2A-A0F0-8B5DFD9CA2AA}" type="datetimeFigureOut">
               <a:rPr lang="ko-KR" altLang="en-US" smtClean="0"/>
-              <a:t>2020-03-05</a:t>
+              <a:t>2020-05-22</a:t>
             </a:fld>
             <a:endParaRPr lang="ko-KR" altLang="en-US"/>
           </a:p>
@@ -1016,7 +1016,7 @@
           <a:p>
             <a:fld id="{D7F79187-E0C0-4F2A-A0F0-8B5DFD9CA2AA}" type="datetimeFigureOut">
               <a:rPr lang="ko-KR" altLang="en-US" smtClean="0"/>
-              <a:t>2020-03-05</a:t>
+              <a:t>2020-05-22</a:t>
             </a:fld>
             <a:endParaRPr lang="ko-KR" altLang="en-US"/>
           </a:p>
@@ -1248,7 +1248,7 @@
           <a:p>
             <a:fld id="{D7F79187-E0C0-4F2A-A0F0-8B5DFD9CA2AA}" type="datetimeFigureOut">
               <a:rPr lang="ko-KR" altLang="en-US" smtClean="0"/>
-              <a:t>2020-03-05</a:t>
+              <a:t>2020-05-22</a:t>
             </a:fld>
             <a:endParaRPr lang="ko-KR" altLang="en-US"/>
           </a:p>
@@ -1615,7 +1615,7 @@
           <a:p>
             <a:fld id="{D7F79187-E0C0-4F2A-A0F0-8B5DFD9CA2AA}" type="datetimeFigureOut">
               <a:rPr lang="ko-KR" altLang="en-US" smtClean="0"/>
-              <a:t>2020-03-05</a:t>
+              <a:t>2020-05-22</a:t>
             </a:fld>
             <a:endParaRPr lang="ko-KR" altLang="en-US"/>
           </a:p>
@@ -1733,7 +1733,7 @@
           <a:p>
             <a:fld id="{D7F79187-E0C0-4F2A-A0F0-8B5DFD9CA2AA}" type="datetimeFigureOut">
               <a:rPr lang="ko-KR" altLang="en-US" smtClean="0"/>
-              <a:t>2020-03-05</a:t>
+              <a:t>2020-05-22</a:t>
             </a:fld>
             <a:endParaRPr lang="ko-KR" altLang="en-US"/>
           </a:p>
@@ -1828,7 +1828,7 @@
           <a:p>
             <a:fld id="{D7F79187-E0C0-4F2A-A0F0-8B5DFD9CA2AA}" type="datetimeFigureOut">
               <a:rPr lang="ko-KR" altLang="en-US" smtClean="0"/>
-              <a:t>2020-03-05</a:t>
+              <a:t>2020-05-22</a:t>
             </a:fld>
             <a:endParaRPr lang="ko-KR" altLang="en-US"/>
           </a:p>
@@ -2105,7 +2105,7 @@
           <a:p>
             <a:fld id="{D7F79187-E0C0-4F2A-A0F0-8B5DFD9CA2AA}" type="datetimeFigureOut">
               <a:rPr lang="ko-KR" altLang="en-US" smtClean="0"/>
-              <a:t>2020-03-05</a:t>
+              <a:t>2020-05-22</a:t>
             </a:fld>
             <a:endParaRPr lang="ko-KR" altLang="en-US"/>
           </a:p>
@@ -2358,7 +2358,7 @@
           <a:p>
             <a:fld id="{D7F79187-E0C0-4F2A-A0F0-8B5DFD9CA2AA}" type="datetimeFigureOut">
               <a:rPr lang="ko-KR" altLang="en-US" smtClean="0"/>
-              <a:t>2020-03-05</a:t>
+              <a:t>2020-05-22</a:t>
             </a:fld>
             <a:endParaRPr lang="ko-KR" altLang="en-US"/>
           </a:p>
@@ -2571,7 +2571,7 @@
           <a:p>
             <a:fld id="{D7F79187-E0C0-4F2A-A0F0-8B5DFD9CA2AA}" type="datetimeFigureOut">
               <a:rPr lang="ko-KR" altLang="en-US" smtClean="0"/>
-              <a:t>2020-03-05</a:t>
+              <a:t>2020-05-22</a:t>
             </a:fld>
             <a:endParaRPr lang="ko-KR" altLang="en-US"/>
           </a:p>
@@ -3489,514 +3489,103 @@
           <a:chExt cx="0" cy="0"/>
         </a:xfrm>
       </p:grpSpPr>
+      <p:sp>
+        <p:nvSpPr>
+          <p:cNvPr id="5" name="직사각형 4"/>
+          <p:cNvSpPr/>
+          <p:nvPr/>
+        </p:nvSpPr>
+        <p:spPr>
+          <a:xfrm>
+            <a:off x="2875129" y="208129"/>
+            <a:ext cx="6441743" cy="6441743"/>
+          </a:xfrm>
+          <a:prstGeom prst="rect">
+            <a:avLst/>
+          </a:prstGeom>
+          <a:noFill/>
+          <a:ln w="190500">
+            <a:solidFill>
+              <a:schemeClr val="bg1"/>
+            </a:solidFill>
+          </a:ln>
+        </p:spPr>
+        <p:style>
+          <a:lnRef idx="2">
+            <a:schemeClr val="accent1">
+              <a:shade val="50000"/>
+            </a:schemeClr>
+          </a:lnRef>
+          <a:fillRef idx="1">
+            <a:schemeClr val="accent1"/>
+          </a:fillRef>
+          <a:effectRef idx="0">
+            <a:schemeClr val="accent1"/>
+          </a:effectRef>
+          <a:fontRef idx="minor">
+            <a:schemeClr val="lt1"/>
+          </a:fontRef>
+        </p:style>
+        <p:txBody>
+          <a:bodyPr rtlCol="0" anchor="ctr"/>
+          <a:lstStyle/>
+          <a:p>
+            <a:pPr algn="ctr"/>
+            <a:endParaRPr lang="ko-KR" altLang="en-US"/>
+          </a:p>
+        </p:txBody>
+      </p:sp>
       <p:grpSp>
         <p:nvGrpSpPr>
-          <p:cNvPr id="3" name="그룹 2"/>
+          <p:cNvPr id="8" name="그룹 7"/>
           <p:cNvGrpSpPr/>
           <p:nvPr/>
         </p:nvGrpSpPr>
         <p:grpSpPr>
           <a:xfrm>
-            <a:off x="2875129" y="208129"/>
-            <a:ext cx="6441743" cy="6441743"/>
-            <a:chOff x="2875129" y="208129"/>
-            <a:chExt cx="6441743" cy="6441743"/>
+            <a:off x="3501719" y="836709"/>
+            <a:ext cx="5186474" cy="5184578"/>
+            <a:chOff x="3501719" y="836709"/>
+            <a:chExt cx="5186474" cy="5184578"/>
           </a:xfrm>
         </p:grpSpPr>
-        <p:sp>
-          <p:nvSpPr>
-            <p:cNvPr id="5" name="직사각형 4"/>
-            <p:cNvSpPr/>
-            <p:nvPr/>
-          </p:nvSpPr>
-          <p:spPr>
-            <a:xfrm>
-              <a:off x="2875129" y="208129"/>
-              <a:ext cx="6441743" cy="6441743"/>
-            </a:xfrm>
-            <a:prstGeom prst="rect">
-              <a:avLst/>
-            </a:prstGeom>
-            <a:noFill/>
-            <a:ln w="190500">
-              <a:solidFill>
-                <a:schemeClr val="bg1"/>
-              </a:solidFill>
-            </a:ln>
-          </p:spPr>
-          <p:style>
-            <a:lnRef idx="2">
-              <a:schemeClr val="accent1">
-                <a:shade val="50000"/>
-              </a:schemeClr>
-            </a:lnRef>
-            <a:fillRef idx="1">
-              <a:schemeClr val="accent1"/>
-            </a:fillRef>
-            <a:effectRef idx="0">
-              <a:schemeClr val="accent1"/>
-            </a:effectRef>
-            <a:fontRef idx="minor">
-              <a:schemeClr val="lt1"/>
-            </a:fontRef>
-          </p:style>
-          <p:txBody>
-            <a:bodyPr rtlCol="0" anchor="ctr"/>
-            <a:lstStyle/>
-            <a:p>
-              <a:pPr algn="ctr"/>
-              <a:endParaRPr lang="ko-KR" altLang="en-US"/>
-            </a:p>
-          </p:txBody>
-        </p:sp>
         <p:grpSp>
           <p:nvGrpSpPr>
-            <p:cNvPr id="2" name="그룹 1"/>
+            <p:cNvPr id="7" name="그룹 6"/>
             <p:cNvGrpSpPr/>
             <p:nvPr/>
           </p:nvGrpSpPr>
           <p:grpSpPr>
             <a:xfrm>
-              <a:off x="3569854" y="902853"/>
-              <a:ext cx="5052291" cy="5052291"/>
-              <a:chOff x="3569854" y="902853"/>
-              <a:chExt cx="5052291" cy="5052291"/>
+              <a:off x="3501719" y="836709"/>
+              <a:ext cx="5186474" cy="5184578"/>
+              <a:chOff x="3501719" y="836709"/>
+              <a:chExt cx="5186474" cy="5184578"/>
             </a:xfrm>
+            <a:solidFill>
+              <a:schemeClr val="tx1">
+                <a:lumMod val="50000"/>
+                <a:lumOff val="50000"/>
+              </a:schemeClr>
+            </a:solidFill>
           </p:grpSpPr>
           <p:sp>
             <p:nvSpPr>
-              <p:cNvPr id="15" name="자유형 14"/>
+              <p:cNvPr id="4" name="직사각형 3"/>
               <p:cNvSpPr/>
               <p:nvPr/>
             </p:nvSpPr>
             <p:spPr>
               <a:xfrm rot="5400000">
-                <a:off x="3569854" y="902853"/>
-                <a:ext cx="5052291" cy="5052291"/>
+                <a:off x="3503709" y="2970746"/>
+                <a:ext cx="5184573" cy="916510"/>
               </a:xfrm>
-              <a:custGeom>
+              <a:prstGeom prst="rect">
                 <a:avLst/>
-                <a:gdLst>
-                  <a:gd name="connsiteX0" fmla="*/ 0 w 5052291"/>
-                  <a:gd name="connsiteY0" fmla="*/ 2752437 h 5052291"/>
-                  <a:gd name="connsiteX1" fmla="*/ 0 w 5052291"/>
-                  <a:gd name="connsiteY1" fmla="*/ 2299856 h 5052291"/>
-                  <a:gd name="connsiteX2" fmla="*/ 472461 w 5052291"/>
-                  <a:gd name="connsiteY2" fmla="*/ 2299856 h 5052291"/>
-                  <a:gd name="connsiteX3" fmla="*/ 501490 w 5052291"/>
-                  <a:gd name="connsiteY3" fmla="*/ 2109648 h 5052291"/>
-                  <a:gd name="connsiteX4" fmla="*/ 812453 w 5052291"/>
-                  <a:gd name="connsiteY4" fmla="*/ 1370670 h 5052291"/>
-                  <a:gd name="connsiteX5" fmla="*/ 914363 w 5052291"/>
-                  <a:gd name="connsiteY5" fmla="*/ 1234388 h 5052291"/>
-                  <a:gd name="connsiteX6" fmla="*/ 579878 w 5052291"/>
-                  <a:gd name="connsiteY6" fmla="*/ 899903 h 5052291"/>
-                  <a:gd name="connsiteX7" fmla="*/ 899901 w 5052291"/>
-                  <a:gd name="connsiteY7" fmla="*/ 579880 h 5052291"/>
-                  <a:gd name="connsiteX8" fmla="*/ 1234386 w 5052291"/>
-                  <a:gd name="connsiteY8" fmla="*/ 914365 h 5052291"/>
-                  <a:gd name="connsiteX9" fmla="*/ 1370665 w 5052291"/>
-                  <a:gd name="connsiteY9" fmla="*/ 812457 h 5052291"/>
-                  <a:gd name="connsiteX10" fmla="*/ 2211414 w 5052291"/>
-                  <a:gd name="connsiteY10" fmla="*/ 483320 h 5052291"/>
-                  <a:gd name="connsiteX11" fmla="*/ 2299856 w 5052291"/>
-                  <a:gd name="connsiteY11" fmla="*/ 473218 h 5052291"/>
-                  <a:gd name="connsiteX12" fmla="*/ 2299856 w 5052291"/>
-                  <a:gd name="connsiteY12" fmla="*/ 0 h 5052291"/>
-                  <a:gd name="connsiteX13" fmla="*/ 2752437 w 5052291"/>
-                  <a:gd name="connsiteY13" fmla="*/ 0 h 5052291"/>
-                  <a:gd name="connsiteX14" fmla="*/ 2752437 w 5052291"/>
-                  <a:gd name="connsiteY14" fmla="*/ 473250 h 5052291"/>
-                  <a:gd name="connsiteX15" fmla="*/ 2847283 w 5052291"/>
-                  <a:gd name="connsiteY15" fmla="*/ 484310 h 5052291"/>
-                  <a:gd name="connsiteX16" fmla="*/ 3702148 w 5052291"/>
-                  <a:gd name="connsiteY16" fmla="*/ 826505 h 5052291"/>
-                  <a:gd name="connsiteX17" fmla="*/ 3818024 w 5052291"/>
-                  <a:gd name="connsiteY17" fmla="*/ 914244 h 5052291"/>
-                  <a:gd name="connsiteX18" fmla="*/ 4152388 w 5052291"/>
-                  <a:gd name="connsiteY18" fmla="*/ 579881 h 5052291"/>
-                  <a:gd name="connsiteX19" fmla="*/ 4472411 w 5052291"/>
-                  <a:gd name="connsiteY19" fmla="*/ 899904 h 5052291"/>
-                  <a:gd name="connsiteX20" fmla="*/ 4137477 w 5052291"/>
-                  <a:gd name="connsiteY20" fmla="*/ 1234838 h 5052291"/>
-                  <a:gd name="connsiteX21" fmla="*/ 4196975 w 5052291"/>
-                  <a:gd name="connsiteY21" fmla="*/ 1309629 h 5052291"/>
-                  <a:gd name="connsiteX22" fmla="*/ 4550797 w 5052291"/>
-                  <a:gd name="connsiteY22" fmla="*/ 2109648 h 5052291"/>
-                  <a:gd name="connsiteX23" fmla="*/ 4579826 w 5052291"/>
-                  <a:gd name="connsiteY23" fmla="*/ 2299856 h 5052291"/>
-                  <a:gd name="connsiteX24" fmla="*/ 5052291 w 5052291"/>
-                  <a:gd name="connsiteY24" fmla="*/ 2299856 h 5052291"/>
-                  <a:gd name="connsiteX25" fmla="*/ 5052291 w 5052291"/>
-                  <a:gd name="connsiteY25" fmla="*/ 2752437 h 5052291"/>
-                  <a:gd name="connsiteX26" fmla="*/ 4579826 w 5052291"/>
-                  <a:gd name="connsiteY26" fmla="*/ 2752437 h 5052291"/>
-                  <a:gd name="connsiteX27" fmla="*/ 4550797 w 5052291"/>
-                  <a:gd name="connsiteY27" fmla="*/ 2942648 h 5052291"/>
-                  <a:gd name="connsiteX28" fmla="*/ 4239834 w 5052291"/>
-                  <a:gd name="connsiteY28" fmla="*/ 3681626 h 5052291"/>
-                  <a:gd name="connsiteX29" fmla="*/ 4137926 w 5052291"/>
-                  <a:gd name="connsiteY29" fmla="*/ 3817906 h 5052291"/>
-                  <a:gd name="connsiteX30" fmla="*/ 4472410 w 5052291"/>
-                  <a:gd name="connsiteY30" fmla="*/ 4152390 h 5052291"/>
-                  <a:gd name="connsiteX31" fmla="*/ 4152387 w 5052291"/>
-                  <a:gd name="connsiteY31" fmla="*/ 4472413 h 5052291"/>
-                  <a:gd name="connsiteX32" fmla="*/ 3817903 w 5052291"/>
-                  <a:gd name="connsiteY32" fmla="*/ 4137929 h 5052291"/>
-                  <a:gd name="connsiteX33" fmla="*/ 3681621 w 5052291"/>
-                  <a:gd name="connsiteY33" fmla="*/ 4239839 h 5052291"/>
-                  <a:gd name="connsiteX34" fmla="*/ 2840872 w 5052291"/>
-                  <a:gd name="connsiteY34" fmla="*/ 4568976 h 5052291"/>
-                  <a:gd name="connsiteX35" fmla="*/ 2752437 w 5052291"/>
-                  <a:gd name="connsiteY35" fmla="*/ 4579077 h 5052291"/>
-                  <a:gd name="connsiteX36" fmla="*/ 2752437 w 5052291"/>
-                  <a:gd name="connsiteY36" fmla="*/ 5052291 h 5052291"/>
-                  <a:gd name="connsiteX37" fmla="*/ 2299856 w 5052291"/>
-                  <a:gd name="connsiteY37" fmla="*/ 5052291 h 5052291"/>
-                  <a:gd name="connsiteX38" fmla="*/ 2299856 w 5052291"/>
-                  <a:gd name="connsiteY38" fmla="*/ 4579047 h 5052291"/>
-                  <a:gd name="connsiteX39" fmla="*/ 2205004 w 5052291"/>
-                  <a:gd name="connsiteY39" fmla="*/ 4567986 h 5052291"/>
-                  <a:gd name="connsiteX40" fmla="*/ 1350139 w 5052291"/>
-                  <a:gd name="connsiteY40" fmla="*/ 4225791 h 5052291"/>
-                  <a:gd name="connsiteX41" fmla="*/ 1234263 w 5052291"/>
-                  <a:gd name="connsiteY41" fmla="*/ 4138052 h 5052291"/>
-                  <a:gd name="connsiteX42" fmla="*/ 899902 w 5052291"/>
-                  <a:gd name="connsiteY42" fmla="*/ 4472414 h 5052291"/>
-                  <a:gd name="connsiteX43" fmla="*/ 579879 w 5052291"/>
-                  <a:gd name="connsiteY43" fmla="*/ 4152391 h 5052291"/>
-                  <a:gd name="connsiteX44" fmla="*/ 914811 w 5052291"/>
-                  <a:gd name="connsiteY44" fmla="*/ 3817459 h 5052291"/>
-                  <a:gd name="connsiteX45" fmla="*/ 855312 w 5052291"/>
-                  <a:gd name="connsiteY45" fmla="*/ 3742667 h 5052291"/>
-                  <a:gd name="connsiteX46" fmla="*/ 501490 w 5052291"/>
-                  <a:gd name="connsiteY46" fmla="*/ 2942648 h 5052291"/>
-                  <a:gd name="connsiteX47" fmla="*/ 472461 w 5052291"/>
-                  <a:gd name="connsiteY47" fmla="*/ 2752437 h 5052291"/>
-                </a:gdLst>
-                <a:ahLst/>
-                <a:cxnLst>
-                  <a:cxn ang="0">
-                    <a:pos x="connsiteX0" y="connsiteY0"/>
-                  </a:cxn>
-                  <a:cxn ang="0">
-                    <a:pos x="connsiteX1" y="connsiteY1"/>
-                  </a:cxn>
-                  <a:cxn ang="0">
-                    <a:pos x="connsiteX2" y="connsiteY2"/>
-                  </a:cxn>
-                  <a:cxn ang="0">
-                    <a:pos x="connsiteX3" y="connsiteY3"/>
-                  </a:cxn>
-                  <a:cxn ang="0">
-                    <a:pos x="connsiteX4" y="connsiteY4"/>
-                  </a:cxn>
-                  <a:cxn ang="0">
-                    <a:pos x="connsiteX5" y="connsiteY5"/>
-                  </a:cxn>
-                  <a:cxn ang="0">
-                    <a:pos x="connsiteX6" y="connsiteY6"/>
-                  </a:cxn>
-                  <a:cxn ang="0">
-                    <a:pos x="connsiteX7" y="connsiteY7"/>
-                  </a:cxn>
-                  <a:cxn ang="0">
-                    <a:pos x="connsiteX8" y="connsiteY8"/>
-                  </a:cxn>
-                  <a:cxn ang="0">
-                    <a:pos x="connsiteX9" y="connsiteY9"/>
-                  </a:cxn>
-                  <a:cxn ang="0">
-                    <a:pos x="connsiteX10" y="connsiteY10"/>
-                  </a:cxn>
-                  <a:cxn ang="0">
-                    <a:pos x="connsiteX11" y="connsiteY11"/>
-                  </a:cxn>
-                  <a:cxn ang="0">
-                    <a:pos x="connsiteX12" y="connsiteY12"/>
-                  </a:cxn>
-                  <a:cxn ang="0">
-                    <a:pos x="connsiteX13" y="connsiteY13"/>
-                  </a:cxn>
-                  <a:cxn ang="0">
-                    <a:pos x="connsiteX14" y="connsiteY14"/>
-                  </a:cxn>
-                  <a:cxn ang="0">
-                    <a:pos x="connsiteX15" y="connsiteY15"/>
-                  </a:cxn>
-                  <a:cxn ang="0">
-                    <a:pos x="connsiteX16" y="connsiteY16"/>
-                  </a:cxn>
-                  <a:cxn ang="0">
-                    <a:pos x="connsiteX17" y="connsiteY17"/>
-                  </a:cxn>
-                  <a:cxn ang="0">
-                    <a:pos x="connsiteX18" y="connsiteY18"/>
-                  </a:cxn>
-                  <a:cxn ang="0">
-                    <a:pos x="connsiteX19" y="connsiteY19"/>
-                  </a:cxn>
-                  <a:cxn ang="0">
-                    <a:pos x="connsiteX20" y="connsiteY20"/>
-                  </a:cxn>
-                  <a:cxn ang="0">
-                    <a:pos x="connsiteX21" y="connsiteY21"/>
-                  </a:cxn>
-                  <a:cxn ang="0">
-                    <a:pos x="connsiteX22" y="connsiteY22"/>
-                  </a:cxn>
-                  <a:cxn ang="0">
-                    <a:pos x="connsiteX23" y="connsiteY23"/>
-                  </a:cxn>
-                  <a:cxn ang="0">
-                    <a:pos x="connsiteX24" y="connsiteY24"/>
-                  </a:cxn>
-                  <a:cxn ang="0">
-                    <a:pos x="connsiteX25" y="connsiteY25"/>
-                  </a:cxn>
-                  <a:cxn ang="0">
-                    <a:pos x="connsiteX26" y="connsiteY26"/>
-                  </a:cxn>
-                  <a:cxn ang="0">
-                    <a:pos x="connsiteX27" y="connsiteY27"/>
-                  </a:cxn>
-                  <a:cxn ang="0">
-                    <a:pos x="connsiteX28" y="connsiteY28"/>
-                  </a:cxn>
-                  <a:cxn ang="0">
-                    <a:pos x="connsiteX29" y="connsiteY29"/>
-                  </a:cxn>
-                  <a:cxn ang="0">
-                    <a:pos x="connsiteX30" y="connsiteY30"/>
-                  </a:cxn>
-                  <a:cxn ang="0">
-                    <a:pos x="connsiteX31" y="connsiteY31"/>
-                  </a:cxn>
-                  <a:cxn ang="0">
-                    <a:pos x="connsiteX32" y="connsiteY32"/>
-                  </a:cxn>
-                  <a:cxn ang="0">
-                    <a:pos x="connsiteX33" y="connsiteY33"/>
-                  </a:cxn>
-                  <a:cxn ang="0">
-                    <a:pos x="connsiteX34" y="connsiteY34"/>
-                  </a:cxn>
-                  <a:cxn ang="0">
-                    <a:pos x="connsiteX35" y="connsiteY35"/>
-                  </a:cxn>
-                  <a:cxn ang="0">
-                    <a:pos x="connsiteX36" y="connsiteY36"/>
-                  </a:cxn>
-                  <a:cxn ang="0">
-                    <a:pos x="connsiteX37" y="connsiteY37"/>
-                  </a:cxn>
-                  <a:cxn ang="0">
-                    <a:pos x="connsiteX38" y="connsiteY38"/>
-                  </a:cxn>
-                  <a:cxn ang="0">
-                    <a:pos x="connsiteX39" y="connsiteY39"/>
-                  </a:cxn>
-                  <a:cxn ang="0">
-                    <a:pos x="connsiteX40" y="connsiteY40"/>
-                  </a:cxn>
-                  <a:cxn ang="0">
-                    <a:pos x="connsiteX41" y="connsiteY41"/>
-                  </a:cxn>
-                  <a:cxn ang="0">
-                    <a:pos x="connsiteX42" y="connsiteY42"/>
-                  </a:cxn>
-                  <a:cxn ang="0">
-                    <a:pos x="connsiteX43" y="connsiteY43"/>
-                  </a:cxn>
-                  <a:cxn ang="0">
-                    <a:pos x="connsiteX44" y="connsiteY44"/>
-                  </a:cxn>
-                  <a:cxn ang="0">
-                    <a:pos x="connsiteX45" y="connsiteY45"/>
-                  </a:cxn>
-                  <a:cxn ang="0">
-                    <a:pos x="connsiteX46" y="connsiteY46"/>
-                  </a:cxn>
-                  <a:cxn ang="0">
-                    <a:pos x="connsiteX47" y="connsiteY47"/>
-                  </a:cxn>
-                </a:cxnLst>
-                <a:rect l="l" t="t" r="r" b="b"/>
-                <a:pathLst>
-                  <a:path w="5052291" h="5052291">
-                    <a:moveTo>
-                      <a:pt x="0" y="2752437"/>
-                    </a:moveTo>
-                    <a:lnTo>
-                      <a:pt x="0" y="2299856"/>
-                    </a:lnTo>
-                    <a:lnTo>
-                      <a:pt x="472461" y="2299856"/>
-                    </a:lnTo>
-                    <a:lnTo>
-                      <a:pt x="501490" y="2109648"/>
-                    </a:lnTo>
-                    <a:cubicBezTo>
-                      <a:pt x="556549" y="1840581"/>
-                      <a:pt x="663897" y="1590561"/>
-                      <a:pt x="812453" y="1370670"/>
-                    </a:cubicBezTo>
-                    <a:lnTo>
-                      <a:pt x="914363" y="1234388"/>
-                    </a:lnTo>
-                    <a:lnTo>
-                      <a:pt x="579878" y="899903"/>
-                    </a:lnTo>
-                    <a:lnTo>
-                      <a:pt x="899901" y="579880"/>
-                    </a:lnTo>
-                    <a:lnTo>
-                      <a:pt x="1234386" y="914365"/>
-                    </a:lnTo>
-                    <a:lnTo>
-                      <a:pt x="1370665" y="812457"/>
-                    </a:lnTo>
-                    <a:cubicBezTo>
-                      <a:pt x="1618044" y="645332"/>
-                      <a:pt x="1903552" y="530360"/>
-                      <a:pt x="2211414" y="483320"/>
-                    </a:cubicBezTo>
-                    <a:lnTo>
-                      <a:pt x="2299856" y="473218"/>
-                    </a:lnTo>
-                    <a:lnTo>
-                      <a:pt x="2299856" y="0"/>
-                    </a:lnTo>
-                    <a:lnTo>
-                      <a:pt x="2752437" y="0"/>
-                    </a:lnTo>
-                    <a:lnTo>
-                      <a:pt x="2752437" y="473250"/>
-                    </a:lnTo>
-                    <a:lnTo>
-                      <a:pt x="2847283" y="484310"/>
-                    </a:lnTo>
-                    <a:cubicBezTo>
-                      <a:pt x="3161241" y="533293"/>
-                      <a:pt x="3451791" y="652952"/>
-                      <a:pt x="3702148" y="826505"/>
-                    </a:cubicBezTo>
-                    <a:lnTo>
-                      <a:pt x="3818024" y="914244"/>
-                    </a:lnTo>
-                    <a:lnTo>
-                      <a:pt x="4152388" y="579881"/>
-                    </a:lnTo>
-                    <a:lnTo>
-                      <a:pt x="4472411" y="899904"/>
-                    </a:lnTo>
-                    <a:lnTo>
-                      <a:pt x="4137477" y="1234838"/>
-                    </a:lnTo>
-                    <a:lnTo>
-                      <a:pt x="4196975" y="1309629"/>
-                    </a:lnTo>
-                    <a:cubicBezTo>
-                      <a:pt x="4367803" y="1543850"/>
-                      <a:pt x="4490576" y="1815356"/>
-                      <a:pt x="4550797" y="2109648"/>
-                    </a:cubicBezTo>
-                    <a:lnTo>
-                      <a:pt x="4579826" y="2299856"/>
-                    </a:lnTo>
-                    <a:lnTo>
-                      <a:pt x="5052291" y="2299856"/>
-                    </a:lnTo>
-                    <a:lnTo>
-                      <a:pt x="5052291" y="2752437"/>
-                    </a:lnTo>
-                    <a:lnTo>
-                      <a:pt x="4579826" y="2752437"/>
-                    </a:lnTo>
-                    <a:lnTo>
-                      <a:pt x="4550797" y="2942648"/>
-                    </a:lnTo>
-                    <a:cubicBezTo>
-                      <a:pt x="4495738" y="3211715"/>
-                      <a:pt x="4388390" y="3461734"/>
-                      <a:pt x="4239834" y="3681626"/>
-                    </a:cubicBezTo>
-                    <a:lnTo>
-                      <a:pt x="4137926" y="3817906"/>
-                    </a:lnTo>
-                    <a:lnTo>
-                      <a:pt x="4472410" y="4152390"/>
-                    </a:lnTo>
-                    <a:lnTo>
-                      <a:pt x="4152387" y="4472413"/>
-                    </a:lnTo>
-                    <a:lnTo>
-                      <a:pt x="3817903" y="4137929"/>
-                    </a:lnTo>
-                    <a:lnTo>
-                      <a:pt x="3681621" y="4239839"/>
-                    </a:lnTo>
-                    <a:cubicBezTo>
-                      <a:pt x="3434243" y="4406964"/>
-                      <a:pt x="3148734" y="4521935"/>
-                      <a:pt x="2840872" y="4568976"/>
-                    </a:cubicBezTo>
-                    <a:lnTo>
-                      <a:pt x="2752437" y="4579077"/>
-                    </a:lnTo>
-                    <a:lnTo>
-                      <a:pt x="2752437" y="5052291"/>
-                    </a:lnTo>
-                    <a:lnTo>
-                      <a:pt x="2299856" y="5052291"/>
-                    </a:lnTo>
-                    <a:lnTo>
-                      <a:pt x="2299856" y="4579047"/>
-                    </a:lnTo>
-                    <a:lnTo>
-                      <a:pt x="2205004" y="4567986"/>
-                    </a:lnTo>
-                    <a:cubicBezTo>
-                      <a:pt x="1891045" y="4519003"/>
-                      <a:pt x="1600496" y="4399344"/>
-                      <a:pt x="1350139" y="4225791"/>
-                    </a:cubicBezTo>
-                    <a:lnTo>
-                      <a:pt x="1234263" y="4138052"/>
-                    </a:lnTo>
-                    <a:lnTo>
-                      <a:pt x="899902" y="4472414"/>
-                    </a:lnTo>
-                    <a:lnTo>
-                      <a:pt x="579879" y="4152391"/>
-                    </a:lnTo>
-                    <a:lnTo>
-                      <a:pt x="914811" y="3817459"/>
-                    </a:lnTo>
-                    <a:lnTo>
-                      <a:pt x="855312" y="3742667"/>
-                    </a:lnTo>
-                    <a:cubicBezTo>
-                      <a:pt x="684484" y="3508446"/>
-                      <a:pt x="561711" y="3236940"/>
-                      <a:pt x="501490" y="2942648"/>
-                    </a:cubicBezTo>
-                    <a:lnTo>
-                      <a:pt x="472461" y="2752437"/>
-                    </a:lnTo>
-                    <a:close/>
-                  </a:path>
-                </a:pathLst>
-              </a:custGeom>
-              <a:solidFill>
-                <a:schemeClr val="bg1">
-                  <a:lumMod val="75000"/>
-                </a:schemeClr>
-              </a:solidFill>
-              <a:ln w="76200">
-                <a:solidFill>
-                  <a:schemeClr val="tx1"/>
-                </a:solidFill>
+              </a:prstGeom>
+              <a:grpFill/>
+              <a:ln>
+                <a:noFill/>
               </a:ln>
             </p:spPr>
             <p:style>
@@ -4024,6 +3613,153 @@
               </a:p>
             </p:txBody>
           </p:sp>
+          <p:sp>
+            <p:nvSpPr>
+              <p:cNvPr id="14" name="직사각형 13"/>
+              <p:cNvSpPr/>
+              <p:nvPr/>
+            </p:nvSpPr>
+            <p:spPr>
+              <a:xfrm rot="8100000">
+                <a:off x="3503620" y="2970740"/>
+                <a:ext cx="5184573" cy="916510"/>
+              </a:xfrm>
+              <a:prstGeom prst="rect">
+                <a:avLst/>
+              </a:prstGeom>
+              <a:grpFill/>
+              <a:ln>
+                <a:noFill/>
+              </a:ln>
+            </p:spPr>
+            <p:style>
+              <a:lnRef idx="2">
+                <a:schemeClr val="accent1">
+                  <a:shade val="50000"/>
+                </a:schemeClr>
+              </a:lnRef>
+              <a:fillRef idx="1">
+                <a:schemeClr val="accent1"/>
+              </a:fillRef>
+              <a:effectRef idx="0">
+                <a:schemeClr val="accent1"/>
+              </a:effectRef>
+              <a:fontRef idx="minor">
+                <a:schemeClr val="lt1"/>
+              </a:fontRef>
+            </p:style>
+            <p:txBody>
+              <a:bodyPr rtlCol="0" anchor="ctr"/>
+              <a:lstStyle/>
+              <a:p>
+                <a:pPr algn="ctr"/>
+                <a:endParaRPr lang="ko-KR" altLang="en-US"/>
+              </a:p>
+            </p:txBody>
+          </p:sp>
+          <p:sp>
+            <p:nvSpPr>
+              <p:cNvPr id="16" name="직사각형 15"/>
+              <p:cNvSpPr/>
+              <p:nvPr/>
+            </p:nvSpPr>
+            <p:spPr>
+              <a:xfrm rot="13500000" flipH="1">
+                <a:off x="3503621" y="2970741"/>
+                <a:ext cx="5184573" cy="916510"/>
+              </a:xfrm>
+              <a:prstGeom prst="rect">
+                <a:avLst/>
+              </a:prstGeom>
+              <a:grpFill/>
+              <a:ln>
+                <a:noFill/>
+              </a:ln>
+            </p:spPr>
+            <p:style>
+              <a:lnRef idx="2">
+                <a:schemeClr val="accent1">
+                  <a:shade val="50000"/>
+                </a:schemeClr>
+              </a:lnRef>
+              <a:fillRef idx="1">
+                <a:schemeClr val="accent1"/>
+              </a:fillRef>
+              <a:effectRef idx="0">
+                <a:schemeClr val="accent1"/>
+              </a:effectRef>
+              <a:fontRef idx="minor">
+                <a:schemeClr val="lt1"/>
+              </a:fontRef>
+            </p:style>
+            <p:txBody>
+              <a:bodyPr rtlCol="0" anchor="ctr"/>
+              <a:lstStyle/>
+              <a:p>
+                <a:pPr algn="ctr"/>
+                <a:endParaRPr lang="ko-KR" altLang="en-US"/>
+              </a:p>
+            </p:txBody>
+          </p:sp>
+          <p:sp>
+            <p:nvSpPr>
+              <p:cNvPr id="17" name="직사각형 16"/>
+              <p:cNvSpPr/>
+              <p:nvPr/>
+            </p:nvSpPr>
+            <p:spPr>
+              <a:xfrm rot="10800000">
+                <a:off x="3501719" y="2970740"/>
+                <a:ext cx="5184573" cy="916510"/>
+              </a:xfrm>
+              <a:prstGeom prst="rect">
+                <a:avLst/>
+              </a:prstGeom>
+              <a:grpFill/>
+              <a:ln>
+                <a:noFill/>
+              </a:ln>
+            </p:spPr>
+            <p:style>
+              <a:lnRef idx="2">
+                <a:schemeClr val="accent1">
+                  <a:shade val="50000"/>
+                </a:schemeClr>
+              </a:lnRef>
+              <a:fillRef idx="1">
+                <a:schemeClr val="accent1"/>
+              </a:fillRef>
+              <a:effectRef idx="0">
+                <a:schemeClr val="accent1"/>
+              </a:effectRef>
+              <a:fontRef idx="minor">
+                <a:schemeClr val="lt1"/>
+              </a:fontRef>
+            </p:style>
+            <p:txBody>
+              <a:bodyPr rtlCol="0" anchor="ctr"/>
+              <a:lstStyle/>
+              <a:p>
+                <a:pPr algn="ctr"/>
+                <a:endParaRPr lang="ko-KR" altLang="en-US"/>
+              </a:p>
+            </p:txBody>
+          </p:sp>
+        </p:grpSp>
+        <p:grpSp>
+          <p:nvGrpSpPr>
+            <p:cNvPr id="6" name="그룹 5"/>
+            <p:cNvGrpSpPr/>
+            <p:nvPr/>
+          </p:nvGrpSpPr>
+          <p:grpSpPr>
+            <a:xfrm>
+              <a:off x="3938939" y="1271938"/>
+              <a:ext cx="4314116" cy="4314116"/>
+              <a:chOff x="4461158" y="1794157"/>
+              <a:chExt cx="3269678" cy="3269678"/>
+            </a:xfrm>
+          </p:grpSpPr>
           <p:sp>
             <p:nvSpPr>
               <p:cNvPr id="11" name="타원 10"/>

--- a/Resources/Icon/Icon.pptx
+++ b/Resources/Icon/Icon.pptx
@@ -13,6 +13,7 @@
     <p:sldId id="261" r:id="rId7"/>
     <p:sldId id="263" r:id="rId8"/>
     <p:sldId id="264" r:id="rId9"/>
+    <p:sldId id="265" r:id="rId10"/>
   </p:sldIdLst>
   <p:sldSz cx="12192000" cy="6858000"/>
   <p:notesSz cx="6858000" cy="9144000"/>
@@ -250,7 +251,7 @@
           <a:p>
             <a:fld id="{D7F79187-E0C0-4F2A-A0F0-8B5DFD9CA2AA}" type="datetimeFigureOut">
               <a:rPr lang="ko-KR" altLang="en-US" smtClean="0"/>
-              <a:t>2020-05-22</a:t>
+              <a:t>2021-02-02</a:t>
             </a:fld>
             <a:endParaRPr lang="ko-KR" altLang="en-US"/>
           </a:p>
@@ -420,7 +421,7 @@
           <a:p>
             <a:fld id="{D7F79187-E0C0-4F2A-A0F0-8B5DFD9CA2AA}" type="datetimeFigureOut">
               <a:rPr lang="ko-KR" altLang="en-US" smtClean="0"/>
-              <a:t>2020-05-22</a:t>
+              <a:t>2021-02-02</a:t>
             </a:fld>
             <a:endParaRPr lang="ko-KR" altLang="en-US"/>
           </a:p>
@@ -600,7 +601,7 @@
           <a:p>
             <a:fld id="{D7F79187-E0C0-4F2A-A0F0-8B5DFD9CA2AA}" type="datetimeFigureOut">
               <a:rPr lang="ko-KR" altLang="en-US" smtClean="0"/>
-              <a:t>2020-05-22</a:t>
+              <a:t>2021-02-02</a:t>
             </a:fld>
             <a:endParaRPr lang="ko-KR" altLang="en-US"/>
           </a:p>
@@ -770,7 +771,7 @@
           <a:p>
             <a:fld id="{D7F79187-E0C0-4F2A-A0F0-8B5DFD9CA2AA}" type="datetimeFigureOut">
               <a:rPr lang="ko-KR" altLang="en-US" smtClean="0"/>
-              <a:t>2020-05-22</a:t>
+              <a:t>2021-02-02</a:t>
             </a:fld>
             <a:endParaRPr lang="ko-KR" altLang="en-US"/>
           </a:p>
@@ -1016,7 +1017,7 @@
           <a:p>
             <a:fld id="{D7F79187-E0C0-4F2A-A0F0-8B5DFD9CA2AA}" type="datetimeFigureOut">
               <a:rPr lang="ko-KR" altLang="en-US" smtClean="0"/>
-              <a:t>2020-05-22</a:t>
+              <a:t>2021-02-02</a:t>
             </a:fld>
             <a:endParaRPr lang="ko-KR" altLang="en-US"/>
           </a:p>
@@ -1248,7 +1249,7 @@
           <a:p>
             <a:fld id="{D7F79187-E0C0-4F2A-A0F0-8B5DFD9CA2AA}" type="datetimeFigureOut">
               <a:rPr lang="ko-KR" altLang="en-US" smtClean="0"/>
-              <a:t>2020-05-22</a:t>
+              <a:t>2021-02-02</a:t>
             </a:fld>
             <a:endParaRPr lang="ko-KR" altLang="en-US"/>
           </a:p>
@@ -1615,7 +1616,7 @@
           <a:p>
             <a:fld id="{D7F79187-E0C0-4F2A-A0F0-8B5DFD9CA2AA}" type="datetimeFigureOut">
               <a:rPr lang="ko-KR" altLang="en-US" smtClean="0"/>
-              <a:t>2020-05-22</a:t>
+              <a:t>2021-02-02</a:t>
             </a:fld>
             <a:endParaRPr lang="ko-KR" altLang="en-US"/>
           </a:p>
@@ -1733,7 +1734,7 @@
           <a:p>
             <a:fld id="{D7F79187-E0C0-4F2A-A0F0-8B5DFD9CA2AA}" type="datetimeFigureOut">
               <a:rPr lang="ko-KR" altLang="en-US" smtClean="0"/>
-              <a:t>2020-05-22</a:t>
+              <a:t>2021-02-02</a:t>
             </a:fld>
             <a:endParaRPr lang="ko-KR" altLang="en-US"/>
           </a:p>
@@ -1828,7 +1829,7 @@
           <a:p>
             <a:fld id="{D7F79187-E0C0-4F2A-A0F0-8B5DFD9CA2AA}" type="datetimeFigureOut">
               <a:rPr lang="ko-KR" altLang="en-US" smtClean="0"/>
-              <a:t>2020-05-22</a:t>
+              <a:t>2021-02-02</a:t>
             </a:fld>
             <a:endParaRPr lang="ko-KR" altLang="en-US"/>
           </a:p>
@@ -2105,7 +2106,7 @@
           <a:p>
             <a:fld id="{D7F79187-E0C0-4F2A-A0F0-8B5DFD9CA2AA}" type="datetimeFigureOut">
               <a:rPr lang="ko-KR" altLang="en-US" smtClean="0"/>
-              <a:t>2020-05-22</a:t>
+              <a:t>2021-02-02</a:t>
             </a:fld>
             <a:endParaRPr lang="ko-KR" altLang="en-US"/>
           </a:p>
@@ -2358,7 +2359,7 @@
           <a:p>
             <a:fld id="{D7F79187-E0C0-4F2A-A0F0-8B5DFD9CA2AA}" type="datetimeFigureOut">
               <a:rPr lang="ko-KR" altLang="en-US" smtClean="0"/>
-              <a:t>2020-05-22</a:t>
+              <a:t>2021-02-02</a:t>
             </a:fld>
             <a:endParaRPr lang="ko-KR" altLang="en-US"/>
           </a:p>
@@ -2571,7 +2572,7 @@
           <a:p>
             <a:fld id="{D7F79187-E0C0-4F2A-A0F0-8B5DFD9CA2AA}" type="datetimeFigureOut">
               <a:rPr lang="ko-KR" altLang="en-US" smtClean="0"/>
-              <a:t>2020-05-22</a:t>
+              <a:t>2021-02-02</a:t>
             </a:fld>
             <a:endParaRPr lang="ko-KR" altLang="en-US"/>
           </a:p>
@@ -4977,6 +4978,76 @@
 </p:sld>
 </file>
 
+<file path=ppt/slides/slide9.xml><?xml version="1.0" encoding="utf-8"?>
+<p:sld xmlns:a="http://schemas.openxmlformats.org/drawingml/2006/main" xmlns:r="http://schemas.openxmlformats.org/officeDocument/2006/relationships" xmlns:p="http://schemas.openxmlformats.org/presentationml/2006/main">
+  <p:cSld>
+    <p:spTree>
+      <p:nvGrpSpPr>
+        <p:cNvPr id="1" name=""/>
+        <p:cNvGrpSpPr/>
+        <p:nvPr/>
+      </p:nvGrpSpPr>
+      <p:grpSpPr>
+        <a:xfrm>
+          <a:off x="0" y="0"/>
+          <a:ext cx="0" cy="0"/>
+          <a:chOff x="0" y="0"/>
+          <a:chExt cx="0" cy="0"/>
+        </a:xfrm>
+      </p:grpSpPr>
+      <p:sp>
+        <p:nvSpPr>
+          <p:cNvPr id="2" name="이등변 삼각형 1"/>
+          <p:cNvSpPr/>
+          <p:nvPr/>
+        </p:nvSpPr>
+        <p:spPr>
+          <a:xfrm rot="16200000" flipH="1">
+            <a:off x="3005417" y="758945"/>
+            <a:ext cx="6181167" cy="5328592"/>
+          </a:xfrm>
+          <a:prstGeom prst="triangle">
+            <a:avLst/>
+          </a:prstGeom>
+        </p:spPr>
+        <p:style>
+          <a:lnRef idx="2">
+            <a:schemeClr val="accent1">
+              <a:shade val="50000"/>
+            </a:schemeClr>
+          </a:lnRef>
+          <a:fillRef idx="1">
+            <a:schemeClr val="accent1"/>
+          </a:fillRef>
+          <a:effectRef idx="0">
+            <a:schemeClr val="accent1"/>
+          </a:effectRef>
+          <a:fontRef idx="minor">
+            <a:schemeClr val="lt1"/>
+          </a:fontRef>
+        </p:style>
+        <p:txBody>
+          <a:bodyPr rtlCol="0" anchor="ctr"/>
+          <a:lstStyle/>
+          <a:p>
+            <a:pPr algn="ctr"/>
+            <a:endParaRPr lang="ko-KR" altLang="en-US"/>
+          </a:p>
+        </p:txBody>
+      </p:sp>
+    </p:spTree>
+    <p:extLst>
+      <p:ext uri="{BB962C8B-B14F-4D97-AF65-F5344CB8AC3E}">
+        <p14:creationId xmlns:p14="http://schemas.microsoft.com/office/powerpoint/2010/main" val="3867204705"/>
+      </p:ext>
+    </p:extLst>
+  </p:cSld>
+  <p:clrMapOvr>
+    <a:masterClrMapping/>
+  </p:clrMapOvr>
+</p:sld>
+</file>
+
 <file path=ppt/theme/theme1.xml><?xml version="1.0" encoding="utf-8"?>
 <a:theme xmlns:a="http://schemas.openxmlformats.org/drawingml/2006/main" name="Office 테마">
   <a:themeElements>
